--- a/ppt 16-9/1152.羡慕更美家乡.pptx
+++ b/ppt 16-9/1152.羡慕更美家乡.pptx
@@ -5,7 +5,7 @@
     <p:sldMasterId id="2147483648" r:id="rId1"/>
   </p:sldMasterIdLst>
   <p:sldIdLst>
-    <p:sldId id="647" r:id="rId2"/>
+    <p:sldId id="649" r:id="rId2"/>
   </p:sldIdLst>
   <p:sldSz cx="12192000" cy="6858000"/>
   <p:notesSz cx="6858000" cy="9144000"/>
@@ -129,7 +129,7 @@
           <p:cNvPr id="2" name="标题 1">
             <a:extLst>
               <a:ext uri="{FF2B5EF4-FFF2-40B4-BE49-F238E27FC236}">
-                <a16:creationId xmlns:a16="http://schemas.microsoft.com/office/drawing/2014/main" id="{98F27D2D-EB93-97B8-721A-58A9CB83B102}"/>
+                <a16:creationId xmlns:a16="http://schemas.microsoft.com/office/drawing/2014/main" id="{FEA1721D-84E1-7976-9291-45A5B5460C05}"/>
               </a:ext>
             </a:extLst>
           </p:cNvPr>
@@ -166,7 +166,7 @@
           <p:cNvPr id="3" name="副标题 2">
             <a:extLst>
               <a:ext uri="{FF2B5EF4-FFF2-40B4-BE49-F238E27FC236}">
-                <a16:creationId xmlns:a16="http://schemas.microsoft.com/office/drawing/2014/main" id="{BBA08E09-6F39-253A-80EB-9C97DE3EA834}"/>
+                <a16:creationId xmlns:a16="http://schemas.microsoft.com/office/drawing/2014/main" id="{57CB3790-E2DB-EC94-9D58-3DB5787B5213}"/>
               </a:ext>
             </a:extLst>
           </p:cNvPr>
@@ -236,7 +236,7 @@
           <p:cNvPr id="4" name="日期占位符 3">
             <a:extLst>
               <a:ext uri="{FF2B5EF4-FFF2-40B4-BE49-F238E27FC236}">
-                <a16:creationId xmlns:a16="http://schemas.microsoft.com/office/drawing/2014/main" id="{9D4D3559-5F07-D7D5-38B2-774A4D9902B0}"/>
+                <a16:creationId xmlns:a16="http://schemas.microsoft.com/office/drawing/2014/main" id="{6521D55D-CEA7-FC08-18FA-F5E6B9617224}"/>
               </a:ext>
             </a:extLst>
           </p:cNvPr>
@@ -252,7 +252,7 @@
           <a:bodyPr/>
           <a:lstStyle/>
           <a:p>
-            <a:fld id="{3126D604-C570-44CA-B0EE-3DAAA098DA07}" type="datetimeFigureOut">
+            <a:fld id="{0ADC88E7-C914-4149-B3F5-394DBE9BD56D}" type="datetimeFigureOut">
               <a:rPr lang="zh-CN" altLang="en-US" smtClean="0"/>
               <a:t>2024/3/10</a:t>
             </a:fld>
@@ -265,7 +265,7 @@
           <p:cNvPr id="5" name="页脚占位符 4">
             <a:extLst>
               <a:ext uri="{FF2B5EF4-FFF2-40B4-BE49-F238E27FC236}">
-                <a16:creationId xmlns:a16="http://schemas.microsoft.com/office/drawing/2014/main" id="{C93E8470-964D-46FE-5775-6E4E2B9ABEC2}"/>
+                <a16:creationId xmlns:a16="http://schemas.microsoft.com/office/drawing/2014/main" id="{22B88ED5-60FE-009D-CBBF-272B0813B29D}"/>
               </a:ext>
             </a:extLst>
           </p:cNvPr>
@@ -290,7 +290,7 @@
           <p:cNvPr id="6" name="灯片编号占位符 5">
             <a:extLst>
               <a:ext uri="{FF2B5EF4-FFF2-40B4-BE49-F238E27FC236}">
-                <a16:creationId xmlns:a16="http://schemas.microsoft.com/office/drawing/2014/main" id="{3B252245-4A44-124A-BC4E-6CCDF161B2A1}"/>
+                <a16:creationId xmlns:a16="http://schemas.microsoft.com/office/drawing/2014/main" id="{79CB8B57-4BFC-2D3B-7C75-18AE10495370}"/>
               </a:ext>
             </a:extLst>
           </p:cNvPr>
@@ -306,7 +306,7 @@
           <a:bodyPr/>
           <a:lstStyle/>
           <a:p>
-            <a:fld id="{B76209B1-F504-44AC-9033-DAA3EF1BBCAE}" type="slidenum">
+            <a:fld id="{519546E6-07D1-440C-8B4C-B4D8BE5C3E8E}" type="slidenum">
               <a:rPr lang="zh-CN" altLang="en-US" smtClean="0"/>
               <a:t>‹#›</a:t>
             </a:fld>
@@ -317,7 +317,7 @@
     </p:spTree>
     <p:extLst>
       <p:ext uri="{BB962C8B-B14F-4D97-AF65-F5344CB8AC3E}">
-        <p14:creationId xmlns:p14="http://schemas.microsoft.com/office/powerpoint/2010/main" val="3248468747"/>
+        <p14:creationId xmlns:p14="http://schemas.microsoft.com/office/powerpoint/2010/main" val="3032276245"/>
       </p:ext>
     </p:extLst>
   </p:cSld>
@@ -349,7 +349,7 @@
           <p:cNvPr id="2" name="标题 1">
             <a:extLst>
               <a:ext uri="{FF2B5EF4-FFF2-40B4-BE49-F238E27FC236}">
-                <a16:creationId xmlns:a16="http://schemas.microsoft.com/office/drawing/2014/main" id="{7498AF2B-C3D4-F8B5-5314-B8529EA323D8}"/>
+                <a16:creationId xmlns:a16="http://schemas.microsoft.com/office/drawing/2014/main" id="{EF401CE9-E45A-5AB4-CD27-C5BBB9E15503}"/>
               </a:ext>
             </a:extLst>
           </p:cNvPr>
@@ -377,7 +377,7 @@
           <p:cNvPr id="3" name="竖排文字占位符 2">
             <a:extLst>
               <a:ext uri="{FF2B5EF4-FFF2-40B4-BE49-F238E27FC236}">
-                <a16:creationId xmlns:a16="http://schemas.microsoft.com/office/drawing/2014/main" id="{202975EA-3126-5489-4934-11F074772B20}"/>
+                <a16:creationId xmlns:a16="http://schemas.microsoft.com/office/drawing/2014/main" id="{1724D5DC-CEAD-17B8-7747-2B3634BF3214}"/>
               </a:ext>
             </a:extLst>
           </p:cNvPr>
@@ -434,7 +434,7 @@
           <p:cNvPr id="4" name="日期占位符 3">
             <a:extLst>
               <a:ext uri="{FF2B5EF4-FFF2-40B4-BE49-F238E27FC236}">
-                <a16:creationId xmlns:a16="http://schemas.microsoft.com/office/drawing/2014/main" id="{F7A82E74-D7B2-465F-C1E3-B13431C2D4C1}"/>
+                <a16:creationId xmlns:a16="http://schemas.microsoft.com/office/drawing/2014/main" id="{B49EC400-9BCB-1F7B-7F65-5BE038A333CF}"/>
               </a:ext>
             </a:extLst>
           </p:cNvPr>
@@ -450,7 +450,7 @@
           <a:bodyPr/>
           <a:lstStyle/>
           <a:p>
-            <a:fld id="{3126D604-C570-44CA-B0EE-3DAAA098DA07}" type="datetimeFigureOut">
+            <a:fld id="{0ADC88E7-C914-4149-B3F5-394DBE9BD56D}" type="datetimeFigureOut">
               <a:rPr lang="zh-CN" altLang="en-US" smtClean="0"/>
               <a:t>2024/3/10</a:t>
             </a:fld>
@@ -463,7 +463,7 @@
           <p:cNvPr id="5" name="页脚占位符 4">
             <a:extLst>
               <a:ext uri="{FF2B5EF4-FFF2-40B4-BE49-F238E27FC236}">
-                <a16:creationId xmlns:a16="http://schemas.microsoft.com/office/drawing/2014/main" id="{1670D6BA-8ED4-CA23-AED9-3769009BF17A}"/>
+                <a16:creationId xmlns:a16="http://schemas.microsoft.com/office/drawing/2014/main" id="{AEC1F6FB-F7D4-887F-C225-DE64FC72F2FF}"/>
               </a:ext>
             </a:extLst>
           </p:cNvPr>
@@ -488,7 +488,7 @@
           <p:cNvPr id="6" name="灯片编号占位符 5">
             <a:extLst>
               <a:ext uri="{FF2B5EF4-FFF2-40B4-BE49-F238E27FC236}">
-                <a16:creationId xmlns:a16="http://schemas.microsoft.com/office/drawing/2014/main" id="{8A366048-997D-C43C-6FD2-6FC1EA1FAB4A}"/>
+                <a16:creationId xmlns:a16="http://schemas.microsoft.com/office/drawing/2014/main" id="{67E144AB-B073-13E6-4E52-43065E35C03D}"/>
               </a:ext>
             </a:extLst>
           </p:cNvPr>
@@ -504,7 +504,7 @@
           <a:bodyPr/>
           <a:lstStyle/>
           <a:p>
-            <a:fld id="{B76209B1-F504-44AC-9033-DAA3EF1BBCAE}" type="slidenum">
+            <a:fld id="{519546E6-07D1-440C-8B4C-B4D8BE5C3E8E}" type="slidenum">
               <a:rPr lang="zh-CN" altLang="en-US" smtClean="0"/>
               <a:t>‹#›</a:t>
             </a:fld>
@@ -515,7 +515,7 @@
     </p:spTree>
     <p:extLst>
       <p:ext uri="{BB962C8B-B14F-4D97-AF65-F5344CB8AC3E}">
-        <p14:creationId xmlns:p14="http://schemas.microsoft.com/office/powerpoint/2010/main" val="3775205017"/>
+        <p14:creationId xmlns:p14="http://schemas.microsoft.com/office/powerpoint/2010/main" val="4014697606"/>
       </p:ext>
     </p:extLst>
   </p:cSld>
@@ -547,7 +547,7 @@
           <p:cNvPr id="2" name="竖排标题 1">
             <a:extLst>
               <a:ext uri="{FF2B5EF4-FFF2-40B4-BE49-F238E27FC236}">
-                <a16:creationId xmlns:a16="http://schemas.microsoft.com/office/drawing/2014/main" id="{7DC1209F-3514-8B15-9A82-896C5DBD4891}"/>
+                <a16:creationId xmlns:a16="http://schemas.microsoft.com/office/drawing/2014/main" id="{68504FE3-301B-F624-0A4E-2CC5276DEAE8}"/>
               </a:ext>
             </a:extLst>
           </p:cNvPr>
@@ -580,7 +580,7 @@
           <p:cNvPr id="3" name="竖排文字占位符 2">
             <a:extLst>
               <a:ext uri="{FF2B5EF4-FFF2-40B4-BE49-F238E27FC236}">
-                <a16:creationId xmlns:a16="http://schemas.microsoft.com/office/drawing/2014/main" id="{8D08A958-3B2D-F792-8070-705A9A34B115}"/>
+                <a16:creationId xmlns:a16="http://schemas.microsoft.com/office/drawing/2014/main" id="{5F81BCE1-AB47-1A27-1A56-979D6DA62886}"/>
               </a:ext>
             </a:extLst>
           </p:cNvPr>
@@ -642,7 +642,7 @@
           <p:cNvPr id="4" name="日期占位符 3">
             <a:extLst>
               <a:ext uri="{FF2B5EF4-FFF2-40B4-BE49-F238E27FC236}">
-                <a16:creationId xmlns:a16="http://schemas.microsoft.com/office/drawing/2014/main" id="{ECFFC679-E4EC-B6F7-8B28-B76C400C13D3}"/>
+                <a16:creationId xmlns:a16="http://schemas.microsoft.com/office/drawing/2014/main" id="{0B42D906-4050-3B0D-D789-58370C905E5D}"/>
               </a:ext>
             </a:extLst>
           </p:cNvPr>
@@ -658,7 +658,7 @@
           <a:bodyPr/>
           <a:lstStyle/>
           <a:p>
-            <a:fld id="{3126D604-C570-44CA-B0EE-3DAAA098DA07}" type="datetimeFigureOut">
+            <a:fld id="{0ADC88E7-C914-4149-B3F5-394DBE9BD56D}" type="datetimeFigureOut">
               <a:rPr lang="zh-CN" altLang="en-US" smtClean="0"/>
               <a:t>2024/3/10</a:t>
             </a:fld>
@@ -671,7 +671,7 @@
           <p:cNvPr id="5" name="页脚占位符 4">
             <a:extLst>
               <a:ext uri="{FF2B5EF4-FFF2-40B4-BE49-F238E27FC236}">
-                <a16:creationId xmlns:a16="http://schemas.microsoft.com/office/drawing/2014/main" id="{962D7B4B-186F-7168-0CD9-96BCDF7BBC0C}"/>
+                <a16:creationId xmlns:a16="http://schemas.microsoft.com/office/drawing/2014/main" id="{C197232C-3D17-F6B5-A720-6F0B262F1025}"/>
               </a:ext>
             </a:extLst>
           </p:cNvPr>
@@ -696,7 +696,7 @@
           <p:cNvPr id="6" name="灯片编号占位符 5">
             <a:extLst>
               <a:ext uri="{FF2B5EF4-FFF2-40B4-BE49-F238E27FC236}">
-                <a16:creationId xmlns:a16="http://schemas.microsoft.com/office/drawing/2014/main" id="{1052380F-AB38-865A-D375-0E0BDFB8879C}"/>
+                <a16:creationId xmlns:a16="http://schemas.microsoft.com/office/drawing/2014/main" id="{290784C9-DE89-8E73-1052-0B9C776790F4}"/>
               </a:ext>
             </a:extLst>
           </p:cNvPr>
@@ -712,7 +712,7 @@
           <a:bodyPr/>
           <a:lstStyle/>
           <a:p>
-            <a:fld id="{B76209B1-F504-44AC-9033-DAA3EF1BBCAE}" type="slidenum">
+            <a:fld id="{519546E6-07D1-440C-8B4C-B4D8BE5C3E8E}" type="slidenum">
               <a:rPr lang="zh-CN" altLang="en-US" smtClean="0"/>
               <a:t>‹#›</a:t>
             </a:fld>
@@ -723,7 +723,7 @@
     </p:spTree>
     <p:extLst>
       <p:ext uri="{BB962C8B-B14F-4D97-AF65-F5344CB8AC3E}">
-        <p14:creationId xmlns:p14="http://schemas.microsoft.com/office/powerpoint/2010/main" val="3371317746"/>
+        <p14:creationId xmlns:p14="http://schemas.microsoft.com/office/powerpoint/2010/main" val="2616217065"/>
       </p:ext>
     </p:extLst>
   </p:cSld>
@@ -755,7 +755,7 @@
           <p:cNvPr id="2" name="标题 1">
             <a:extLst>
               <a:ext uri="{FF2B5EF4-FFF2-40B4-BE49-F238E27FC236}">
-                <a16:creationId xmlns:a16="http://schemas.microsoft.com/office/drawing/2014/main" id="{7221B6FE-1556-6F20-8CF2-7D9891A2F921}"/>
+                <a16:creationId xmlns:a16="http://schemas.microsoft.com/office/drawing/2014/main" id="{85E01904-D9EA-FF57-1AAE-BFC6A0D49944}"/>
               </a:ext>
             </a:extLst>
           </p:cNvPr>
@@ -783,7 +783,7 @@
           <p:cNvPr id="3" name="内容占位符 2">
             <a:extLst>
               <a:ext uri="{FF2B5EF4-FFF2-40B4-BE49-F238E27FC236}">
-                <a16:creationId xmlns:a16="http://schemas.microsoft.com/office/drawing/2014/main" id="{2D15FD7B-07E1-5114-35B6-9D082DC2CD1A}"/>
+                <a16:creationId xmlns:a16="http://schemas.microsoft.com/office/drawing/2014/main" id="{A10CC62F-FF71-493B-13C7-2CD7EC84E25A}"/>
               </a:ext>
             </a:extLst>
           </p:cNvPr>
@@ -840,7 +840,7 @@
           <p:cNvPr id="4" name="日期占位符 3">
             <a:extLst>
               <a:ext uri="{FF2B5EF4-FFF2-40B4-BE49-F238E27FC236}">
-                <a16:creationId xmlns:a16="http://schemas.microsoft.com/office/drawing/2014/main" id="{D74BAE16-BB8D-5058-BFE0-5A816958B8D8}"/>
+                <a16:creationId xmlns:a16="http://schemas.microsoft.com/office/drawing/2014/main" id="{4A0D8A28-5522-3DCF-7C7D-F40ABDB12388}"/>
               </a:ext>
             </a:extLst>
           </p:cNvPr>
@@ -856,7 +856,7 @@
           <a:bodyPr/>
           <a:lstStyle/>
           <a:p>
-            <a:fld id="{3126D604-C570-44CA-B0EE-3DAAA098DA07}" type="datetimeFigureOut">
+            <a:fld id="{0ADC88E7-C914-4149-B3F5-394DBE9BD56D}" type="datetimeFigureOut">
               <a:rPr lang="zh-CN" altLang="en-US" smtClean="0"/>
               <a:t>2024/3/10</a:t>
             </a:fld>
@@ -869,7 +869,7 @@
           <p:cNvPr id="5" name="页脚占位符 4">
             <a:extLst>
               <a:ext uri="{FF2B5EF4-FFF2-40B4-BE49-F238E27FC236}">
-                <a16:creationId xmlns:a16="http://schemas.microsoft.com/office/drawing/2014/main" id="{4DD11152-ED40-0542-458E-6C7FB8BF5943}"/>
+                <a16:creationId xmlns:a16="http://schemas.microsoft.com/office/drawing/2014/main" id="{2B38538F-EBA9-589D-482A-8ED645644979}"/>
               </a:ext>
             </a:extLst>
           </p:cNvPr>
@@ -894,7 +894,7 @@
           <p:cNvPr id="6" name="灯片编号占位符 5">
             <a:extLst>
               <a:ext uri="{FF2B5EF4-FFF2-40B4-BE49-F238E27FC236}">
-                <a16:creationId xmlns:a16="http://schemas.microsoft.com/office/drawing/2014/main" id="{4421C83E-B070-1A71-CF06-BBC0AA0C3706}"/>
+                <a16:creationId xmlns:a16="http://schemas.microsoft.com/office/drawing/2014/main" id="{E9ECF799-F2C4-D3E4-7B9D-A81FA5A3D0FA}"/>
               </a:ext>
             </a:extLst>
           </p:cNvPr>
@@ -910,7 +910,7 @@
           <a:bodyPr/>
           <a:lstStyle/>
           <a:p>
-            <a:fld id="{B76209B1-F504-44AC-9033-DAA3EF1BBCAE}" type="slidenum">
+            <a:fld id="{519546E6-07D1-440C-8B4C-B4D8BE5C3E8E}" type="slidenum">
               <a:rPr lang="zh-CN" altLang="en-US" smtClean="0"/>
               <a:t>‹#›</a:t>
             </a:fld>
@@ -921,7 +921,7 @@
     </p:spTree>
     <p:extLst>
       <p:ext uri="{BB962C8B-B14F-4D97-AF65-F5344CB8AC3E}">
-        <p14:creationId xmlns:p14="http://schemas.microsoft.com/office/powerpoint/2010/main" val="4252623514"/>
+        <p14:creationId xmlns:p14="http://schemas.microsoft.com/office/powerpoint/2010/main" val="3556443817"/>
       </p:ext>
     </p:extLst>
   </p:cSld>
@@ -953,7 +953,7 @@
           <p:cNvPr id="2" name="标题 1">
             <a:extLst>
               <a:ext uri="{FF2B5EF4-FFF2-40B4-BE49-F238E27FC236}">
-                <a16:creationId xmlns:a16="http://schemas.microsoft.com/office/drawing/2014/main" id="{B137D24A-D6B8-4668-8F31-BB413EBDD3F0}"/>
+                <a16:creationId xmlns:a16="http://schemas.microsoft.com/office/drawing/2014/main" id="{86EEB221-8D92-35B2-E13E-639BC52D7055}"/>
               </a:ext>
             </a:extLst>
           </p:cNvPr>
@@ -990,7 +990,7 @@
           <p:cNvPr id="3" name="文本占位符 2">
             <a:extLst>
               <a:ext uri="{FF2B5EF4-FFF2-40B4-BE49-F238E27FC236}">
-                <a16:creationId xmlns:a16="http://schemas.microsoft.com/office/drawing/2014/main" id="{2331200F-9261-8A68-56D2-DF27F74FF949}"/>
+                <a16:creationId xmlns:a16="http://schemas.microsoft.com/office/drawing/2014/main" id="{8B65EB11-A482-C7FC-E59D-897E71D5A2A3}"/>
               </a:ext>
             </a:extLst>
           </p:cNvPr>
@@ -1115,7 +1115,7 @@
           <p:cNvPr id="4" name="日期占位符 3">
             <a:extLst>
               <a:ext uri="{FF2B5EF4-FFF2-40B4-BE49-F238E27FC236}">
-                <a16:creationId xmlns:a16="http://schemas.microsoft.com/office/drawing/2014/main" id="{C6DB835A-34CD-C8E8-D17D-3F3B452A3E57}"/>
+                <a16:creationId xmlns:a16="http://schemas.microsoft.com/office/drawing/2014/main" id="{14FBBF5D-6F9E-80EC-844A-A779903B7F5F}"/>
               </a:ext>
             </a:extLst>
           </p:cNvPr>
@@ -1131,7 +1131,7 @@
           <a:bodyPr/>
           <a:lstStyle/>
           <a:p>
-            <a:fld id="{3126D604-C570-44CA-B0EE-3DAAA098DA07}" type="datetimeFigureOut">
+            <a:fld id="{0ADC88E7-C914-4149-B3F5-394DBE9BD56D}" type="datetimeFigureOut">
               <a:rPr lang="zh-CN" altLang="en-US" smtClean="0"/>
               <a:t>2024/3/10</a:t>
             </a:fld>
@@ -1144,7 +1144,7 @@
           <p:cNvPr id="5" name="页脚占位符 4">
             <a:extLst>
               <a:ext uri="{FF2B5EF4-FFF2-40B4-BE49-F238E27FC236}">
-                <a16:creationId xmlns:a16="http://schemas.microsoft.com/office/drawing/2014/main" id="{A24CA9F0-DDE4-4213-FBE4-EB6BF2885231}"/>
+                <a16:creationId xmlns:a16="http://schemas.microsoft.com/office/drawing/2014/main" id="{56800E00-49C7-4D6B-E156-39076F4459C2}"/>
               </a:ext>
             </a:extLst>
           </p:cNvPr>
@@ -1169,7 +1169,7 @@
           <p:cNvPr id="6" name="灯片编号占位符 5">
             <a:extLst>
               <a:ext uri="{FF2B5EF4-FFF2-40B4-BE49-F238E27FC236}">
-                <a16:creationId xmlns:a16="http://schemas.microsoft.com/office/drawing/2014/main" id="{9666B7E9-0382-1E80-77C7-7AB9834E7D0E}"/>
+                <a16:creationId xmlns:a16="http://schemas.microsoft.com/office/drawing/2014/main" id="{34041E29-767E-F31A-2758-9029AE767F6B}"/>
               </a:ext>
             </a:extLst>
           </p:cNvPr>
@@ -1185,7 +1185,7 @@
           <a:bodyPr/>
           <a:lstStyle/>
           <a:p>
-            <a:fld id="{B76209B1-F504-44AC-9033-DAA3EF1BBCAE}" type="slidenum">
+            <a:fld id="{519546E6-07D1-440C-8B4C-B4D8BE5C3E8E}" type="slidenum">
               <a:rPr lang="zh-CN" altLang="en-US" smtClean="0"/>
               <a:t>‹#›</a:t>
             </a:fld>
@@ -1196,7 +1196,7 @@
     </p:spTree>
     <p:extLst>
       <p:ext uri="{BB962C8B-B14F-4D97-AF65-F5344CB8AC3E}">
-        <p14:creationId xmlns:p14="http://schemas.microsoft.com/office/powerpoint/2010/main" val="1222752107"/>
+        <p14:creationId xmlns:p14="http://schemas.microsoft.com/office/powerpoint/2010/main" val="2354808871"/>
       </p:ext>
     </p:extLst>
   </p:cSld>
@@ -1228,7 +1228,7 @@
           <p:cNvPr id="2" name="标题 1">
             <a:extLst>
               <a:ext uri="{FF2B5EF4-FFF2-40B4-BE49-F238E27FC236}">
-                <a16:creationId xmlns:a16="http://schemas.microsoft.com/office/drawing/2014/main" id="{07A68AD1-FAC0-C4F1-11C2-930C70C035C6}"/>
+                <a16:creationId xmlns:a16="http://schemas.microsoft.com/office/drawing/2014/main" id="{1CA91BEF-1B55-974C-447A-CDDA0C0A687B}"/>
               </a:ext>
             </a:extLst>
           </p:cNvPr>
@@ -1256,7 +1256,7 @@
           <p:cNvPr id="3" name="内容占位符 2">
             <a:extLst>
               <a:ext uri="{FF2B5EF4-FFF2-40B4-BE49-F238E27FC236}">
-                <a16:creationId xmlns:a16="http://schemas.microsoft.com/office/drawing/2014/main" id="{121F74D9-5D1B-8AEA-7A12-03C9A1F6E9B1}"/>
+                <a16:creationId xmlns:a16="http://schemas.microsoft.com/office/drawing/2014/main" id="{4A66C205-CD14-F364-894A-CA06DA8BBE9B}"/>
               </a:ext>
             </a:extLst>
           </p:cNvPr>
@@ -1318,7 +1318,7 @@
           <p:cNvPr id="4" name="内容占位符 3">
             <a:extLst>
               <a:ext uri="{FF2B5EF4-FFF2-40B4-BE49-F238E27FC236}">
-                <a16:creationId xmlns:a16="http://schemas.microsoft.com/office/drawing/2014/main" id="{AB812416-9499-BE0C-30F1-1DC9CBF823A7}"/>
+                <a16:creationId xmlns:a16="http://schemas.microsoft.com/office/drawing/2014/main" id="{3628BE3E-EE2B-CB10-754C-EEF3DC946EAA}"/>
               </a:ext>
             </a:extLst>
           </p:cNvPr>
@@ -1380,7 +1380,7 @@
           <p:cNvPr id="5" name="日期占位符 4">
             <a:extLst>
               <a:ext uri="{FF2B5EF4-FFF2-40B4-BE49-F238E27FC236}">
-                <a16:creationId xmlns:a16="http://schemas.microsoft.com/office/drawing/2014/main" id="{82C7EA57-AF00-CD8A-417F-618331DE094D}"/>
+                <a16:creationId xmlns:a16="http://schemas.microsoft.com/office/drawing/2014/main" id="{9668DD61-F20F-49DD-0A65-3F15EA3F80C0}"/>
               </a:ext>
             </a:extLst>
           </p:cNvPr>
@@ -1396,7 +1396,7 @@
           <a:bodyPr/>
           <a:lstStyle/>
           <a:p>
-            <a:fld id="{3126D604-C570-44CA-B0EE-3DAAA098DA07}" type="datetimeFigureOut">
+            <a:fld id="{0ADC88E7-C914-4149-B3F5-394DBE9BD56D}" type="datetimeFigureOut">
               <a:rPr lang="zh-CN" altLang="en-US" smtClean="0"/>
               <a:t>2024/3/10</a:t>
             </a:fld>
@@ -1409,7 +1409,7 @@
           <p:cNvPr id="6" name="页脚占位符 5">
             <a:extLst>
               <a:ext uri="{FF2B5EF4-FFF2-40B4-BE49-F238E27FC236}">
-                <a16:creationId xmlns:a16="http://schemas.microsoft.com/office/drawing/2014/main" id="{E9DF278F-15B0-D396-E9A1-0945793DAA8D}"/>
+                <a16:creationId xmlns:a16="http://schemas.microsoft.com/office/drawing/2014/main" id="{0F39569C-E94C-3A03-344C-17EAD904E46A}"/>
               </a:ext>
             </a:extLst>
           </p:cNvPr>
@@ -1434,7 +1434,7 @@
           <p:cNvPr id="7" name="灯片编号占位符 6">
             <a:extLst>
               <a:ext uri="{FF2B5EF4-FFF2-40B4-BE49-F238E27FC236}">
-                <a16:creationId xmlns:a16="http://schemas.microsoft.com/office/drawing/2014/main" id="{BADC5BAD-E4DD-1BF7-8C8F-A124F3431042}"/>
+                <a16:creationId xmlns:a16="http://schemas.microsoft.com/office/drawing/2014/main" id="{EC7FE88B-D906-2FA7-5B05-B357DFFAC93E}"/>
               </a:ext>
             </a:extLst>
           </p:cNvPr>
@@ -1450,7 +1450,7 @@
           <a:bodyPr/>
           <a:lstStyle/>
           <a:p>
-            <a:fld id="{B76209B1-F504-44AC-9033-DAA3EF1BBCAE}" type="slidenum">
+            <a:fld id="{519546E6-07D1-440C-8B4C-B4D8BE5C3E8E}" type="slidenum">
               <a:rPr lang="zh-CN" altLang="en-US" smtClean="0"/>
               <a:t>‹#›</a:t>
             </a:fld>
@@ -1461,7 +1461,7 @@
     </p:spTree>
     <p:extLst>
       <p:ext uri="{BB962C8B-B14F-4D97-AF65-F5344CB8AC3E}">
-        <p14:creationId xmlns:p14="http://schemas.microsoft.com/office/powerpoint/2010/main" val="835869058"/>
+        <p14:creationId xmlns:p14="http://schemas.microsoft.com/office/powerpoint/2010/main" val="2865917709"/>
       </p:ext>
     </p:extLst>
   </p:cSld>
@@ -1493,7 +1493,7 @@
           <p:cNvPr id="2" name="标题 1">
             <a:extLst>
               <a:ext uri="{FF2B5EF4-FFF2-40B4-BE49-F238E27FC236}">
-                <a16:creationId xmlns:a16="http://schemas.microsoft.com/office/drawing/2014/main" id="{124C387A-AA35-2CC0-F8A5-F69746A9D9C3}"/>
+                <a16:creationId xmlns:a16="http://schemas.microsoft.com/office/drawing/2014/main" id="{4C8AE260-CD3F-341C-69D9-05E6A1D59DD1}"/>
               </a:ext>
             </a:extLst>
           </p:cNvPr>
@@ -1526,7 +1526,7 @@
           <p:cNvPr id="3" name="文本占位符 2">
             <a:extLst>
               <a:ext uri="{FF2B5EF4-FFF2-40B4-BE49-F238E27FC236}">
-                <a16:creationId xmlns:a16="http://schemas.microsoft.com/office/drawing/2014/main" id="{052D09ED-02AF-D051-50CE-B356A8F43FB3}"/>
+                <a16:creationId xmlns:a16="http://schemas.microsoft.com/office/drawing/2014/main" id="{655EA1FA-D291-F58D-6903-E12E3A55AD47}"/>
               </a:ext>
             </a:extLst>
           </p:cNvPr>
@@ -1597,7 +1597,7 @@
           <p:cNvPr id="4" name="内容占位符 3">
             <a:extLst>
               <a:ext uri="{FF2B5EF4-FFF2-40B4-BE49-F238E27FC236}">
-                <a16:creationId xmlns:a16="http://schemas.microsoft.com/office/drawing/2014/main" id="{77BB26E9-A28A-C1D4-D424-086A0D8472FC}"/>
+                <a16:creationId xmlns:a16="http://schemas.microsoft.com/office/drawing/2014/main" id="{2BFB6FEB-E8C3-9A50-6B36-DD80EC75445E}"/>
               </a:ext>
             </a:extLst>
           </p:cNvPr>
@@ -1659,7 +1659,7 @@
           <p:cNvPr id="5" name="文本占位符 4">
             <a:extLst>
               <a:ext uri="{FF2B5EF4-FFF2-40B4-BE49-F238E27FC236}">
-                <a16:creationId xmlns:a16="http://schemas.microsoft.com/office/drawing/2014/main" id="{3B5DBF82-2CF4-7D9F-4F93-1DBFB15EC657}"/>
+                <a16:creationId xmlns:a16="http://schemas.microsoft.com/office/drawing/2014/main" id="{B59B44A0-9F1D-CCEA-E61C-DB695E7E4171}"/>
               </a:ext>
             </a:extLst>
           </p:cNvPr>
@@ -1730,7 +1730,7 @@
           <p:cNvPr id="6" name="内容占位符 5">
             <a:extLst>
               <a:ext uri="{FF2B5EF4-FFF2-40B4-BE49-F238E27FC236}">
-                <a16:creationId xmlns:a16="http://schemas.microsoft.com/office/drawing/2014/main" id="{49B8995E-A0E5-C5C4-C35A-917C43F12D7D}"/>
+                <a16:creationId xmlns:a16="http://schemas.microsoft.com/office/drawing/2014/main" id="{7B3A3196-E533-341F-BD33-E9E8CD0C8E98}"/>
               </a:ext>
             </a:extLst>
           </p:cNvPr>
@@ -1792,7 +1792,7 @@
           <p:cNvPr id="7" name="日期占位符 6">
             <a:extLst>
               <a:ext uri="{FF2B5EF4-FFF2-40B4-BE49-F238E27FC236}">
-                <a16:creationId xmlns:a16="http://schemas.microsoft.com/office/drawing/2014/main" id="{CF586755-955D-D07F-993E-E43FAE042D50}"/>
+                <a16:creationId xmlns:a16="http://schemas.microsoft.com/office/drawing/2014/main" id="{A6A078F5-5F91-AA56-995E-BEA0060E1772}"/>
               </a:ext>
             </a:extLst>
           </p:cNvPr>
@@ -1808,7 +1808,7 @@
           <a:bodyPr/>
           <a:lstStyle/>
           <a:p>
-            <a:fld id="{3126D604-C570-44CA-B0EE-3DAAA098DA07}" type="datetimeFigureOut">
+            <a:fld id="{0ADC88E7-C914-4149-B3F5-394DBE9BD56D}" type="datetimeFigureOut">
               <a:rPr lang="zh-CN" altLang="en-US" smtClean="0"/>
               <a:t>2024/3/10</a:t>
             </a:fld>
@@ -1821,7 +1821,7 @@
           <p:cNvPr id="8" name="页脚占位符 7">
             <a:extLst>
               <a:ext uri="{FF2B5EF4-FFF2-40B4-BE49-F238E27FC236}">
-                <a16:creationId xmlns:a16="http://schemas.microsoft.com/office/drawing/2014/main" id="{5AFB84F6-452A-BF28-7302-3B6FFF058FAB}"/>
+                <a16:creationId xmlns:a16="http://schemas.microsoft.com/office/drawing/2014/main" id="{89056670-3523-B198-A366-4D63A6C0808D}"/>
               </a:ext>
             </a:extLst>
           </p:cNvPr>
@@ -1846,7 +1846,7 @@
           <p:cNvPr id="9" name="灯片编号占位符 8">
             <a:extLst>
               <a:ext uri="{FF2B5EF4-FFF2-40B4-BE49-F238E27FC236}">
-                <a16:creationId xmlns:a16="http://schemas.microsoft.com/office/drawing/2014/main" id="{548E2742-EF02-4D8E-CD3C-43B4C5D68D87}"/>
+                <a16:creationId xmlns:a16="http://schemas.microsoft.com/office/drawing/2014/main" id="{AA6D1A6E-8FCC-FE2E-57CC-4BB131F2C80D}"/>
               </a:ext>
             </a:extLst>
           </p:cNvPr>
@@ -1862,7 +1862,7 @@
           <a:bodyPr/>
           <a:lstStyle/>
           <a:p>
-            <a:fld id="{B76209B1-F504-44AC-9033-DAA3EF1BBCAE}" type="slidenum">
+            <a:fld id="{519546E6-07D1-440C-8B4C-B4D8BE5C3E8E}" type="slidenum">
               <a:rPr lang="zh-CN" altLang="en-US" smtClean="0"/>
               <a:t>‹#›</a:t>
             </a:fld>
@@ -1873,7 +1873,7 @@
     </p:spTree>
     <p:extLst>
       <p:ext uri="{BB962C8B-B14F-4D97-AF65-F5344CB8AC3E}">
-        <p14:creationId xmlns:p14="http://schemas.microsoft.com/office/powerpoint/2010/main" val="3074835822"/>
+        <p14:creationId xmlns:p14="http://schemas.microsoft.com/office/powerpoint/2010/main" val="553709123"/>
       </p:ext>
     </p:extLst>
   </p:cSld>
@@ -1905,7 +1905,7 @@
           <p:cNvPr id="2" name="标题 1">
             <a:extLst>
               <a:ext uri="{FF2B5EF4-FFF2-40B4-BE49-F238E27FC236}">
-                <a16:creationId xmlns:a16="http://schemas.microsoft.com/office/drawing/2014/main" id="{F5E12EF3-7552-5B19-66EE-8AC51C59E703}"/>
+                <a16:creationId xmlns:a16="http://schemas.microsoft.com/office/drawing/2014/main" id="{7C752673-C93D-2AFB-29A7-71E09DA7C36D}"/>
               </a:ext>
             </a:extLst>
           </p:cNvPr>
@@ -1933,7 +1933,7 @@
           <p:cNvPr id="3" name="日期占位符 2">
             <a:extLst>
               <a:ext uri="{FF2B5EF4-FFF2-40B4-BE49-F238E27FC236}">
-                <a16:creationId xmlns:a16="http://schemas.microsoft.com/office/drawing/2014/main" id="{1ED20C6E-5EA4-A2EF-66CD-E08174C8BB16}"/>
+                <a16:creationId xmlns:a16="http://schemas.microsoft.com/office/drawing/2014/main" id="{039819FC-A078-2B59-4EFD-94490D4E1887}"/>
               </a:ext>
             </a:extLst>
           </p:cNvPr>
@@ -1949,7 +1949,7 @@
           <a:bodyPr/>
           <a:lstStyle/>
           <a:p>
-            <a:fld id="{3126D604-C570-44CA-B0EE-3DAAA098DA07}" type="datetimeFigureOut">
+            <a:fld id="{0ADC88E7-C914-4149-B3F5-394DBE9BD56D}" type="datetimeFigureOut">
               <a:rPr lang="zh-CN" altLang="en-US" smtClean="0"/>
               <a:t>2024/3/10</a:t>
             </a:fld>
@@ -1962,7 +1962,7 @@
           <p:cNvPr id="4" name="页脚占位符 3">
             <a:extLst>
               <a:ext uri="{FF2B5EF4-FFF2-40B4-BE49-F238E27FC236}">
-                <a16:creationId xmlns:a16="http://schemas.microsoft.com/office/drawing/2014/main" id="{C77080AC-FC86-5F86-09CC-35B6C51D4D43}"/>
+                <a16:creationId xmlns:a16="http://schemas.microsoft.com/office/drawing/2014/main" id="{7CAA0BDC-DD97-7376-9E26-BDDC24F87B7B}"/>
               </a:ext>
             </a:extLst>
           </p:cNvPr>
@@ -1987,7 +1987,7 @@
           <p:cNvPr id="5" name="灯片编号占位符 4">
             <a:extLst>
               <a:ext uri="{FF2B5EF4-FFF2-40B4-BE49-F238E27FC236}">
-                <a16:creationId xmlns:a16="http://schemas.microsoft.com/office/drawing/2014/main" id="{B5AF0069-A965-BBD8-6C7A-F4023D695EDC}"/>
+                <a16:creationId xmlns:a16="http://schemas.microsoft.com/office/drawing/2014/main" id="{38A0CC57-1F6C-57D4-2523-ADE36F61C448}"/>
               </a:ext>
             </a:extLst>
           </p:cNvPr>
@@ -2003,7 +2003,7 @@
           <a:bodyPr/>
           <a:lstStyle/>
           <a:p>
-            <a:fld id="{B76209B1-F504-44AC-9033-DAA3EF1BBCAE}" type="slidenum">
+            <a:fld id="{519546E6-07D1-440C-8B4C-B4D8BE5C3E8E}" type="slidenum">
               <a:rPr lang="zh-CN" altLang="en-US" smtClean="0"/>
               <a:t>‹#›</a:t>
             </a:fld>
@@ -2014,7 +2014,7 @@
     </p:spTree>
     <p:extLst>
       <p:ext uri="{BB962C8B-B14F-4D97-AF65-F5344CB8AC3E}">
-        <p14:creationId xmlns:p14="http://schemas.microsoft.com/office/powerpoint/2010/main" val="3102166454"/>
+        <p14:creationId xmlns:p14="http://schemas.microsoft.com/office/powerpoint/2010/main" val="693772137"/>
       </p:ext>
     </p:extLst>
   </p:cSld>
@@ -2046,7 +2046,7 @@
           <p:cNvPr id="2" name="日期占位符 1">
             <a:extLst>
               <a:ext uri="{FF2B5EF4-FFF2-40B4-BE49-F238E27FC236}">
-                <a16:creationId xmlns:a16="http://schemas.microsoft.com/office/drawing/2014/main" id="{579A4659-332E-9ADE-30C8-DB9B94AF69B3}"/>
+                <a16:creationId xmlns:a16="http://schemas.microsoft.com/office/drawing/2014/main" id="{98BE6378-F78D-3093-98A6-0DF781C2F686}"/>
               </a:ext>
             </a:extLst>
           </p:cNvPr>
@@ -2062,7 +2062,7 @@
           <a:bodyPr/>
           <a:lstStyle/>
           <a:p>
-            <a:fld id="{3126D604-C570-44CA-B0EE-3DAAA098DA07}" type="datetimeFigureOut">
+            <a:fld id="{0ADC88E7-C914-4149-B3F5-394DBE9BD56D}" type="datetimeFigureOut">
               <a:rPr lang="zh-CN" altLang="en-US" smtClean="0"/>
               <a:t>2024/3/10</a:t>
             </a:fld>
@@ -2075,7 +2075,7 @@
           <p:cNvPr id="3" name="页脚占位符 2">
             <a:extLst>
               <a:ext uri="{FF2B5EF4-FFF2-40B4-BE49-F238E27FC236}">
-                <a16:creationId xmlns:a16="http://schemas.microsoft.com/office/drawing/2014/main" id="{4DFA8B40-A733-AA63-6C2F-34A1CBFABF92}"/>
+                <a16:creationId xmlns:a16="http://schemas.microsoft.com/office/drawing/2014/main" id="{88414931-0E65-E0C5-947F-3DD436BF4262}"/>
               </a:ext>
             </a:extLst>
           </p:cNvPr>
@@ -2100,7 +2100,7 @@
           <p:cNvPr id="4" name="灯片编号占位符 3">
             <a:extLst>
               <a:ext uri="{FF2B5EF4-FFF2-40B4-BE49-F238E27FC236}">
-                <a16:creationId xmlns:a16="http://schemas.microsoft.com/office/drawing/2014/main" id="{02051891-EC04-8212-EB92-AD8F8E793DC5}"/>
+                <a16:creationId xmlns:a16="http://schemas.microsoft.com/office/drawing/2014/main" id="{3147052D-E1CE-1217-CC44-6BE0601A1EBD}"/>
               </a:ext>
             </a:extLst>
           </p:cNvPr>
@@ -2116,7 +2116,7 @@
           <a:bodyPr/>
           <a:lstStyle/>
           <a:p>
-            <a:fld id="{B76209B1-F504-44AC-9033-DAA3EF1BBCAE}" type="slidenum">
+            <a:fld id="{519546E6-07D1-440C-8B4C-B4D8BE5C3E8E}" type="slidenum">
               <a:rPr lang="zh-CN" altLang="en-US" smtClean="0"/>
               <a:t>‹#›</a:t>
             </a:fld>
@@ -2127,7 +2127,7 @@
     </p:spTree>
     <p:extLst>
       <p:ext uri="{BB962C8B-B14F-4D97-AF65-F5344CB8AC3E}">
-        <p14:creationId xmlns:p14="http://schemas.microsoft.com/office/powerpoint/2010/main" val="2428033344"/>
+        <p14:creationId xmlns:p14="http://schemas.microsoft.com/office/powerpoint/2010/main" val="2308873879"/>
       </p:ext>
     </p:extLst>
   </p:cSld>
@@ -2159,7 +2159,7 @@
           <p:cNvPr id="2" name="标题 1">
             <a:extLst>
               <a:ext uri="{FF2B5EF4-FFF2-40B4-BE49-F238E27FC236}">
-                <a16:creationId xmlns:a16="http://schemas.microsoft.com/office/drawing/2014/main" id="{6385A0FF-2F54-060D-C5DC-EE852ACF46C2}"/>
+                <a16:creationId xmlns:a16="http://schemas.microsoft.com/office/drawing/2014/main" id="{31AA8D15-A88E-0B43-63FD-6678467405A9}"/>
               </a:ext>
             </a:extLst>
           </p:cNvPr>
@@ -2196,7 +2196,7 @@
           <p:cNvPr id="3" name="内容占位符 2">
             <a:extLst>
               <a:ext uri="{FF2B5EF4-FFF2-40B4-BE49-F238E27FC236}">
-                <a16:creationId xmlns:a16="http://schemas.microsoft.com/office/drawing/2014/main" id="{79852A51-FFF2-AD1F-91E6-BD31FA718648}"/>
+                <a16:creationId xmlns:a16="http://schemas.microsoft.com/office/drawing/2014/main" id="{D7C609A8-0B7C-74AA-FE81-F0F06A0D6D48}"/>
               </a:ext>
             </a:extLst>
           </p:cNvPr>
@@ -2286,7 +2286,7 @@
           <p:cNvPr id="4" name="文本占位符 3">
             <a:extLst>
               <a:ext uri="{FF2B5EF4-FFF2-40B4-BE49-F238E27FC236}">
-                <a16:creationId xmlns:a16="http://schemas.microsoft.com/office/drawing/2014/main" id="{B912312B-E47F-1A86-E7C1-ED63A756EF34}"/>
+                <a16:creationId xmlns:a16="http://schemas.microsoft.com/office/drawing/2014/main" id="{7C00E894-67E5-E14C-EEDB-E8C2853BAF31}"/>
               </a:ext>
             </a:extLst>
           </p:cNvPr>
@@ -2357,7 +2357,7 @@
           <p:cNvPr id="5" name="日期占位符 4">
             <a:extLst>
               <a:ext uri="{FF2B5EF4-FFF2-40B4-BE49-F238E27FC236}">
-                <a16:creationId xmlns:a16="http://schemas.microsoft.com/office/drawing/2014/main" id="{743AAB09-68F5-B986-D5C3-C160D41CB2BC}"/>
+                <a16:creationId xmlns:a16="http://schemas.microsoft.com/office/drawing/2014/main" id="{2FB13134-9BCC-F4FF-8D22-A10AF3827A7F}"/>
               </a:ext>
             </a:extLst>
           </p:cNvPr>
@@ -2373,7 +2373,7 @@
           <a:bodyPr/>
           <a:lstStyle/>
           <a:p>
-            <a:fld id="{3126D604-C570-44CA-B0EE-3DAAA098DA07}" type="datetimeFigureOut">
+            <a:fld id="{0ADC88E7-C914-4149-B3F5-394DBE9BD56D}" type="datetimeFigureOut">
               <a:rPr lang="zh-CN" altLang="en-US" smtClean="0"/>
               <a:t>2024/3/10</a:t>
             </a:fld>
@@ -2386,7 +2386,7 @@
           <p:cNvPr id="6" name="页脚占位符 5">
             <a:extLst>
               <a:ext uri="{FF2B5EF4-FFF2-40B4-BE49-F238E27FC236}">
-                <a16:creationId xmlns:a16="http://schemas.microsoft.com/office/drawing/2014/main" id="{6D7C78C2-DC1F-5389-F9CC-589F45450441}"/>
+                <a16:creationId xmlns:a16="http://schemas.microsoft.com/office/drawing/2014/main" id="{63FE82B1-CFCC-0392-56A0-CF7CA79DEBD5}"/>
               </a:ext>
             </a:extLst>
           </p:cNvPr>
@@ -2411,7 +2411,7 @@
           <p:cNvPr id="7" name="灯片编号占位符 6">
             <a:extLst>
               <a:ext uri="{FF2B5EF4-FFF2-40B4-BE49-F238E27FC236}">
-                <a16:creationId xmlns:a16="http://schemas.microsoft.com/office/drawing/2014/main" id="{45DE9E9E-F982-C9E0-957E-54227C9F94F3}"/>
+                <a16:creationId xmlns:a16="http://schemas.microsoft.com/office/drawing/2014/main" id="{20B46C01-6B54-3643-03FC-A39E1770FFF0}"/>
               </a:ext>
             </a:extLst>
           </p:cNvPr>
@@ -2427,7 +2427,7 @@
           <a:bodyPr/>
           <a:lstStyle/>
           <a:p>
-            <a:fld id="{B76209B1-F504-44AC-9033-DAA3EF1BBCAE}" type="slidenum">
+            <a:fld id="{519546E6-07D1-440C-8B4C-B4D8BE5C3E8E}" type="slidenum">
               <a:rPr lang="zh-CN" altLang="en-US" smtClean="0"/>
               <a:t>‹#›</a:t>
             </a:fld>
@@ -2438,7 +2438,7 @@
     </p:spTree>
     <p:extLst>
       <p:ext uri="{BB962C8B-B14F-4D97-AF65-F5344CB8AC3E}">
-        <p14:creationId xmlns:p14="http://schemas.microsoft.com/office/powerpoint/2010/main" val="1426515959"/>
+        <p14:creationId xmlns:p14="http://schemas.microsoft.com/office/powerpoint/2010/main" val="2595636860"/>
       </p:ext>
     </p:extLst>
   </p:cSld>
@@ -2470,7 +2470,7 @@
           <p:cNvPr id="2" name="标题 1">
             <a:extLst>
               <a:ext uri="{FF2B5EF4-FFF2-40B4-BE49-F238E27FC236}">
-                <a16:creationId xmlns:a16="http://schemas.microsoft.com/office/drawing/2014/main" id="{E45A8E0B-044A-14A7-396B-6A733F97C82B}"/>
+                <a16:creationId xmlns:a16="http://schemas.microsoft.com/office/drawing/2014/main" id="{EA536C23-1836-ADF6-8F9A-6D7B2751CB6A}"/>
               </a:ext>
             </a:extLst>
           </p:cNvPr>
@@ -2507,7 +2507,7 @@
           <p:cNvPr id="3" name="图片占位符 2">
             <a:extLst>
               <a:ext uri="{FF2B5EF4-FFF2-40B4-BE49-F238E27FC236}">
-                <a16:creationId xmlns:a16="http://schemas.microsoft.com/office/drawing/2014/main" id="{DB295CD9-7E5E-6F43-ECD7-D20B10CA1376}"/>
+                <a16:creationId xmlns:a16="http://schemas.microsoft.com/office/drawing/2014/main" id="{1F817DA5-C1BB-D229-B360-600E10C1FDC9}"/>
               </a:ext>
             </a:extLst>
           </p:cNvPr>
@@ -2574,7 +2574,7 @@
           <p:cNvPr id="4" name="文本占位符 3">
             <a:extLst>
               <a:ext uri="{FF2B5EF4-FFF2-40B4-BE49-F238E27FC236}">
-                <a16:creationId xmlns:a16="http://schemas.microsoft.com/office/drawing/2014/main" id="{9E5B9950-9962-57AE-6C2C-1A219C85ECCC}"/>
+                <a16:creationId xmlns:a16="http://schemas.microsoft.com/office/drawing/2014/main" id="{5C0FAC65-D64C-7F2A-402C-F438A14545F7}"/>
               </a:ext>
             </a:extLst>
           </p:cNvPr>
@@ -2645,7 +2645,7 @@
           <p:cNvPr id="5" name="日期占位符 4">
             <a:extLst>
               <a:ext uri="{FF2B5EF4-FFF2-40B4-BE49-F238E27FC236}">
-                <a16:creationId xmlns:a16="http://schemas.microsoft.com/office/drawing/2014/main" id="{F6EB508D-52E1-E735-AB23-175E4941EAD3}"/>
+                <a16:creationId xmlns:a16="http://schemas.microsoft.com/office/drawing/2014/main" id="{14449EA9-4760-E95D-5E60-ED3498B36C4E}"/>
               </a:ext>
             </a:extLst>
           </p:cNvPr>
@@ -2661,7 +2661,7 @@
           <a:bodyPr/>
           <a:lstStyle/>
           <a:p>
-            <a:fld id="{3126D604-C570-44CA-B0EE-3DAAA098DA07}" type="datetimeFigureOut">
+            <a:fld id="{0ADC88E7-C914-4149-B3F5-394DBE9BD56D}" type="datetimeFigureOut">
               <a:rPr lang="zh-CN" altLang="en-US" smtClean="0"/>
               <a:t>2024/3/10</a:t>
             </a:fld>
@@ -2674,7 +2674,7 @@
           <p:cNvPr id="6" name="页脚占位符 5">
             <a:extLst>
               <a:ext uri="{FF2B5EF4-FFF2-40B4-BE49-F238E27FC236}">
-                <a16:creationId xmlns:a16="http://schemas.microsoft.com/office/drawing/2014/main" id="{E6AE8E6F-1B3D-15C6-12EC-41040F0F0C5E}"/>
+                <a16:creationId xmlns:a16="http://schemas.microsoft.com/office/drawing/2014/main" id="{D7EE5DA0-40C5-0072-BEC1-A4BE569778F5}"/>
               </a:ext>
             </a:extLst>
           </p:cNvPr>
@@ -2699,7 +2699,7 @@
           <p:cNvPr id="7" name="灯片编号占位符 6">
             <a:extLst>
               <a:ext uri="{FF2B5EF4-FFF2-40B4-BE49-F238E27FC236}">
-                <a16:creationId xmlns:a16="http://schemas.microsoft.com/office/drawing/2014/main" id="{860AD80C-D946-B708-BC5E-0FC88F0C08F8}"/>
+                <a16:creationId xmlns:a16="http://schemas.microsoft.com/office/drawing/2014/main" id="{AC936F62-1B8C-EB2A-4182-CE9482E9B5AD}"/>
               </a:ext>
             </a:extLst>
           </p:cNvPr>
@@ -2715,7 +2715,7 @@
           <a:bodyPr/>
           <a:lstStyle/>
           <a:p>
-            <a:fld id="{B76209B1-F504-44AC-9033-DAA3EF1BBCAE}" type="slidenum">
+            <a:fld id="{519546E6-07D1-440C-8B4C-B4D8BE5C3E8E}" type="slidenum">
               <a:rPr lang="zh-CN" altLang="en-US" smtClean="0"/>
               <a:t>‹#›</a:t>
             </a:fld>
@@ -2726,7 +2726,7 @@
     </p:spTree>
     <p:extLst>
       <p:ext uri="{BB962C8B-B14F-4D97-AF65-F5344CB8AC3E}">
-        <p14:creationId xmlns:p14="http://schemas.microsoft.com/office/powerpoint/2010/main" val="3211078866"/>
+        <p14:creationId xmlns:p14="http://schemas.microsoft.com/office/powerpoint/2010/main" val="2875989397"/>
       </p:ext>
     </p:extLst>
   </p:cSld>
@@ -2763,7 +2763,7 @@
           <p:cNvPr id="2" name="标题占位符 1">
             <a:extLst>
               <a:ext uri="{FF2B5EF4-FFF2-40B4-BE49-F238E27FC236}">
-                <a16:creationId xmlns:a16="http://schemas.microsoft.com/office/drawing/2014/main" id="{E6B4B011-48FC-7B8E-0F56-344411AA1FAF}"/>
+                <a16:creationId xmlns:a16="http://schemas.microsoft.com/office/drawing/2014/main" id="{3F6C94E1-75A2-19CB-BAAA-134AC89AA289}"/>
               </a:ext>
             </a:extLst>
           </p:cNvPr>
@@ -2801,7 +2801,7 @@
           <p:cNvPr id="3" name="文本占位符 2">
             <a:extLst>
               <a:ext uri="{FF2B5EF4-FFF2-40B4-BE49-F238E27FC236}">
-                <a16:creationId xmlns:a16="http://schemas.microsoft.com/office/drawing/2014/main" id="{E7B87C7B-397A-3AA3-413E-9733231DCD96}"/>
+                <a16:creationId xmlns:a16="http://schemas.microsoft.com/office/drawing/2014/main" id="{64107AFF-F144-4013-2381-A0EA5F65B3BB}"/>
               </a:ext>
             </a:extLst>
           </p:cNvPr>
@@ -2868,7 +2868,7 @@
           <p:cNvPr id="4" name="日期占位符 3">
             <a:extLst>
               <a:ext uri="{FF2B5EF4-FFF2-40B4-BE49-F238E27FC236}">
-                <a16:creationId xmlns:a16="http://schemas.microsoft.com/office/drawing/2014/main" id="{2036DDC7-DB0D-69DC-2F55-AE8CB4592934}"/>
+                <a16:creationId xmlns:a16="http://schemas.microsoft.com/office/drawing/2014/main" id="{CBFAD0BD-CF1E-10F7-8CB1-75499C9C2EB6}"/>
               </a:ext>
             </a:extLst>
           </p:cNvPr>
@@ -2902,7 +2902,7 @@
             </a:lvl1pPr>
           </a:lstStyle>
           <a:p>
-            <a:fld id="{3126D604-C570-44CA-B0EE-3DAAA098DA07}" type="datetimeFigureOut">
+            <a:fld id="{0ADC88E7-C914-4149-B3F5-394DBE9BD56D}" type="datetimeFigureOut">
               <a:rPr lang="zh-CN" altLang="en-US" smtClean="0"/>
               <a:t>2024/3/10</a:t>
             </a:fld>
@@ -2915,7 +2915,7 @@
           <p:cNvPr id="5" name="页脚占位符 4">
             <a:extLst>
               <a:ext uri="{FF2B5EF4-FFF2-40B4-BE49-F238E27FC236}">
-                <a16:creationId xmlns:a16="http://schemas.microsoft.com/office/drawing/2014/main" id="{423BF54E-382B-CEF8-2946-05DE74249CB5}"/>
+                <a16:creationId xmlns:a16="http://schemas.microsoft.com/office/drawing/2014/main" id="{4D701499-1DAD-DE29-D9BA-C925C364834B}"/>
               </a:ext>
             </a:extLst>
           </p:cNvPr>
@@ -2958,7 +2958,7 @@
           <p:cNvPr id="6" name="灯片编号占位符 5">
             <a:extLst>
               <a:ext uri="{FF2B5EF4-FFF2-40B4-BE49-F238E27FC236}">
-                <a16:creationId xmlns:a16="http://schemas.microsoft.com/office/drawing/2014/main" id="{5132DA62-82DA-A674-C0A9-A604D2A5D552}"/>
+                <a16:creationId xmlns:a16="http://schemas.microsoft.com/office/drawing/2014/main" id="{CE4837B6-6B91-FCE1-BD1F-C72A9DB15DFA}"/>
               </a:ext>
             </a:extLst>
           </p:cNvPr>
@@ -2992,7 +2992,7 @@
             </a:lvl1pPr>
           </a:lstStyle>
           <a:p>
-            <a:fld id="{B76209B1-F504-44AC-9033-DAA3EF1BBCAE}" type="slidenum">
+            <a:fld id="{519546E6-07D1-440C-8B4C-B4D8BE5C3E8E}" type="slidenum">
               <a:rPr lang="zh-CN" altLang="en-US" smtClean="0"/>
               <a:t>‹#›</a:t>
             </a:fld>
@@ -3003,7 +3003,7 @@
     </p:spTree>
     <p:extLst>
       <p:ext uri="{BB962C8B-B14F-4D97-AF65-F5344CB8AC3E}">
-        <p14:creationId xmlns:p14="http://schemas.microsoft.com/office/powerpoint/2010/main" val="2691789653"/>
+        <p14:creationId xmlns:p14="http://schemas.microsoft.com/office/powerpoint/2010/main" val="1461202439"/>
       </p:ext>
     </p:extLst>
   </p:cSld>
@@ -3323,7 +3323,7 @@
       </p:grpSpPr>
       <p:pic>
         <p:nvPicPr>
-          <p:cNvPr id="1179650" name="Picture 2" descr="1151"/>
+          <p:cNvPr id="1180674" name="Picture 2" descr="1152"/>
           <p:cNvPicPr>
             <a:picLocks noChangeAspect="1" noChangeArrowheads="1"/>
           </p:cNvPicPr>
@@ -3344,8 +3344,8 @@
         </p:blipFill>
         <p:spPr bwMode="auto">
           <a:xfrm>
-            <a:off x="1524000" y="0"/>
-            <a:ext cx="9144000" cy="6858000"/>
+            <a:off x="1524000" y="1"/>
+            <a:ext cx="9144000" cy="5013325"/>
           </a:xfrm>
           <a:prstGeom prst="rect">
             <a:avLst/>
@@ -3375,158 +3375,11 @@
           </a:extLst>
         </p:spPr>
       </p:pic>
-      <p:pic>
-        <p:nvPicPr>
-          <p:cNvPr id="1180675" name="Picture 3" descr="1151-2"/>
-          <p:cNvPicPr>
-            <a:picLocks noChangeAspect="1" noChangeArrowheads="1"/>
-          </p:cNvPicPr>
-          <p:nvPr/>
-        </p:nvPicPr>
-        <p:blipFill>
-          <a:blip r:embed="rId3">
-            <a:extLst>
-              <a:ext uri="{28A0092B-C50C-407E-A947-70E740481C1C}">
-                <a14:useLocalDpi xmlns:a14="http://schemas.microsoft.com/office/drawing/2010/main" val="0"/>
-              </a:ext>
-            </a:extLst>
-          </a:blip>
-          <a:srcRect/>
-          <a:stretch>
-            <a:fillRect/>
-          </a:stretch>
-        </p:blipFill>
-        <p:spPr bwMode="auto">
-          <a:xfrm>
-            <a:off x="1524000" y="1589"/>
-            <a:ext cx="9124950" cy="6884987"/>
-          </a:xfrm>
-          <a:prstGeom prst="rect">
-            <a:avLst/>
-          </a:prstGeom>
-          <a:noFill/>
-          <a:ln>
-            <a:noFill/>
-          </a:ln>
-          <a:effectLst/>
-          <a:extLst>
-            <a:ext uri="{909E8E84-426E-40DD-AFC4-6F175D3DCCD1}">
-              <a14:hiddenFill xmlns:a14="http://schemas.microsoft.com/office/drawing/2010/main">
-                <a:solidFill>
-                  <a:srgbClr val="FFFFFF"/>
-                </a:solidFill>
-              </a14:hiddenFill>
-            </a:ext>
-            <a:ext uri="{91240B29-F687-4F45-9708-019B960494DF}">
-              <a14:hiddenLine xmlns:a14="http://schemas.microsoft.com/office/drawing/2010/main" w="9525">
-                <a:solidFill>
-                  <a:srgbClr val="000000"/>
-                </a:solidFill>
-                <a:miter lim="800000"/>
-                <a:headEnd/>
-                <a:tailEnd/>
-              </a14:hiddenLine>
-            </a:ext>
-            <a:ext uri="{AF507438-7753-43E0-B8FC-AC1667EBCBE1}">
-              <a14:hiddenEffects xmlns:a14="http://schemas.microsoft.com/office/drawing/2010/main">
-                <a:effectLst>
-                  <a:outerShdw dist="35921" dir="2700000" algn="ctr" rotWithShape="0">
-                    <a:srgbClr val="808080"/>
-                  </a:outerShdw>
-                </a:effectLst>
-              </a14:hiddenEffects>
-            </a:ext>
-          </a:extLst>
-        </p:spPr>
-      </p:pic>
     </p:spTree>
   </p:cSld>
   <p:clrMapOvr>
     <a:masterClrMapping/>
   </p:clrMapOvr>
-  <p:timing>
-    <p:tnLst>
-      <p:par>
-        <p:cTn id="1" dur="indefinite" restart="never" nodeType="tmRoot">
-          <p:childTnLst>
-            <p:seq concurrent="1" nextAc="seek">
-              <p:cTn id="2" dur="indefinite" nodeType="mainSeq">
-                <p:childTnLst>
-                  <p:par>
-                    <p:cTn id="3" fill="hold" nodeType="clickPar">
-                      <p:stCondLst>
-                        <p:cond delay="indefinite"/>
-                      </p:stCondLst>
-                      <p:childTnLst>
-                        <p:par>
-                          <p:cTn id="4" fill="hold" nodeType="withGroup">
-                            <p:stCondLst>
-                              <p:cond delay="0"/>
-                            </p:stCondLst>
-                            <p:childTnLst>
-                              <p:par>
-                                <p:cTn id="5" presetID="10" presetClass="entr" presetSubtype="0" fill="hold" nodeType="clickEffect">
-                                  <p:stCondLst>
-                                    <p:cond delay="0"/>
-                                  </p:stCondLst>
-                                  <p:childTnLst>
-                                    <p:set>
-                                      <p:cBhvr>
-                                        <p:cTn id="6" dur="1" fill="hold">
-                                          <p:stCondLst>
-                                            <p:cond delay="0"/>
-                                          </p:stCondLst>
-                                        </p:cTn>
-                                        <p:tgtEl>
-                                          <p:spTgt spid="1180675"/>
-                                        </p:tgtEl>
-                                        <p:attrNameLst>
-                                          <p:attrName>style.visibility</p:attrName>
-                                        </p:attrNameLst>
-                                      </p:cBhvr>
-                                      <p:to>
-                                        <p:strVal val="visible"/>
-                                      </p:to>
-                                    </p:set>
-                                    <p:animEffect transition="in" filter="fade">
-                                      <p:cBhvr>
-                                        <p:cTn id="7" dur="500"/>
-                                        <p:tgtEl>
-                                          <p:spTgt spid="1180675"/>
-                                        </p:tgtEl>
-                                      </p:cBhvr>
-                                    </p:animEffect>
-                                  </p:childTnLst>
-                                </p:cTn>
-                              </p:par>
-                            </p:childTnLst>
-                          </p:cTn>
-                        </p:par>
-                      </p:childTnLst>
-                    </p:cTn>
-                  </p:par>
-                </p:childTnLst>
-              </p:cTn>
-              <p:prevCondLst>
-                <p:cond evt="onPrev" delay="0">
-                  <p:tgtEl>
-                    <p:sldTgt/>
-                  </p:tgtEl>
-                </p:cond>
-              </p:prevCondLst>
-              <p:nextCondLst>
-                <p:cond evt="onNext" delay="0">
-                  <p:tgtEl>
-                    <p:sldTgt/>
-                  </p:tgtEl>
-                </p:cond>
-              </p:nextCondLst>
-            </p:seq>
-          </p:childTnLst>
-        </p:cTn>
-      </p:par>
-    </p:tnLst>
-  </p:timing>
 </p:sld>
 </file>
 
